--- a/Docs/Powerpoint/Presentation_synox_v4.pptx
+++ b/Docs/Powerpoint/Presentation_synox_v4.pptx
@@ -5,10 +5,10 @@
     <p:sldMasterId id="2147483672" r:id="rId1"/>
   </p:sldMasterIdLst>
   <p:notesMasterIdLst>
-    <p:notesMasterId r:id="rId28"/>
+    <p:notesMasterId r:id="rId29"/>
   </p:notesMasterIdLst>
   <p:handoutMasterIdLst>
-    <p:handoutMasterId r:id="rId29"/>
+    <p:handoutMasterId r:id="rId30"/>
   </p:handoutMasterIdLst>
   <p:sldIdLst>
     <p:sldId id="256" r:id="rId2"/>
@@ -29,14 +29,15 @@
     <p:sldId id="287" r:id="rId17"/>
     <p:sldId id="272" r:id="rId18"/>
     <p:sldId id="283" r:id="rId19"/>
-    <p:sldId id="273" r:id="rId20"/>
-    <p:sldId id="274" r:id="rId21"/>
-    <p:sldId id="288" r:id="rId22"/>
-    <p:sldId id="289" r:id="rId23"/>
-    <p:sldId id="281" r:id="rId24"/>
-    <p:sldId id="278" r:id="rId25"/>
-    <p:sldId id="277" r:id="rId26"/>
-    <p:sldId id="282" r:id="rId27"/>
+    <p:sldId id="290" r:id="rId20"/>
+    <p:sldId id="273" r:id="rId21"/>
+    <p:sldId id="274" r:id="rId22"/>
+    <p:sldId id="288" r:id="rId23"/>
+    <p:sldId id="289" r:id="rId24"/>
+    <p:sldId id="281" r:id="rId25"/>
+    <p:sldId id="278" r:id="rId26"/>
+    <p:sldId id="277" r:id="rId27"/>
+    <p:sldId id="282" r:id="rId28"/>
   </p:sldIdLst>
   <p:sldSz cx="9144000" cy="6858000" type="screen4x3"/>
   <p:notesSz cx="6858000" cy="9144000"/>
@@ -6793,7 +6794,7 @@
           <a:p>
             <a:fld id="{403BE010-D323-424E-B240-2E2D297D83E0}" type="datetimeFigureOut">
               <a:rPr lang="fr-FR" smtClean="0"/>
-              <a:t>07/02/2012</a:t>
+              <a:t>08/02/2012</a:t>
             </a:fld>
             <a:endParaRPr lang="fr-FR"/>
           </a:p>
@@ -6959,7 +6960,7 @@
           <a:p>
             <a:fld id="{0A9064C7-4D96-416C-8D63-2B74CC15798F}" type="datetimeFigureOut">
               <a:rPr lang="fr-FR" smtClean="0"/>
-              <a:t>07/02/2012</a:t>
+              <a:t>08/02/2012</a:t>
             </a:fld>
             <a:endParaRPr lang="fr-FR"/>
           </a:p>
@@ -7452,6 +7453,12 @@
               <a:rPr lang="en-US" dirty="0" err="1" smtClean="0"/>
               <a:t>Guillinar</a:t>
             </a:r>
+            <a:r>
+              <a:rPr lang="en-US" dirty="0" smtClean="0"/>
+              <a:t>=&gt;Guillaume</a:t>
+            </a:r>
+          </a:p>
+          <a:p>
             <a:endParaRPr lang="fr-FR" dirty="0" smtClean="0"/>
           </a:p>
           <a:p>
@@ -8198,38 +8205,6 @@
           <a:bodyPr/>
           <a:lstStyle/>
           <a:p>
-            <a:pPr marL="0" marR="0" indent="0" algn="l" defTabSz="914400" rtl="0" eaLnBrk="1" fontAlgn="auto" latinLnBrk="0" hangingPunct="1">
-              <a:lnSpc>
-                <a:spcPct val="100000"/>
-              </a:lnSpc>
-              <a:spcBef>
-                <a:spcPts val="0"/>
-              </a:spcBef>
-              <a:spcAft>
-                <a:spcPts val="0"/>
-              </a:spcAft>
-              <a:buClrTx/>
-              <a:buSzTx/>
-              <a:buFontTx/>
-              <a:buNone/>
-              <a:tabLst/>
-              <a:defRPr/>
-            </a:pPr>
-            <a:r>
-              <a:rPr lang="en-US" dirty="0" smtClean="0"/>
-              <a:t>Guillaume</a:t>
-            </a:r>
-            <a:r>
-              <a:rPr lang="fr-FR" baseline="0" dirty="0" smtClean="0"/>
-              <a:t> =&gt; </a:t>
-            </a:r>
-            <a:r>
-              <a:rPr lang="fr-FR" baseline="0" dirty="0" err="1" smtClean="0"/>
-              <a:t>Guilluinar</a:t>
-            </a:r>
-            <a:endParaRPr lang="fr-FR" dirty="0" smtClean="0"/>
-          </a:p>
-          <a:p>
             <a:endParaRPr lang="fr-FR" dirty="0"/>
           </a:p>
         </p:txBody>
@@ -8314,10 +8289,38 @@
           <a:bodyPr/>
           <a:lstStyle/>
           <a:p>
+            <a:pPr marL="0" marR="0" indent="0" algn="l" defTabSz="914400" rtl="0" eaLnBrk="1" fontAlgn="auto" latinLnBrk="0" hangingPunct="1">
+              <a:lnSpc>
+                <a:spcPct val="100000"/>
+              </a:lnSpc>
+              <a:spcBef>
+                <a:spcPts val="0"/>
+              </a:spcBef>
+              <a:spcAft>
+                <a:spcPts val="0"/>
+              </a:spcAft>
+              <a:buClrTx/>
+              <a:buSzTx/>
+              <a:buFontTx/>
+              <a:buNone/>
+              <a:tabLst/>
+              <a:defRPr/>
+            </a:pPr>
             <a:r>
-              <a:rPr lang="en-US" dirty="0" err="1" smtClean="0"/>
-              <a:t>Guillinar</a:t>
+              <a:rPr lang="en-US" dirty="0" smtClean="0"/>
+              <a:t>Guillaume</a:t>
             </a:r>
+            <a:r>
+              <a:rPr lang="fr-FR" baseline="0" dirty="0" smtClean="0"/>
+              <a:t> =&gt; </a:t>
+            </a:r>
+            <a:r>
+              <a:rPr lang="fr-FR" baseline="0" dirty="0" err="1" smtClean="0"/>
+              <a:t>Guilluinar</a:t>
+            </a:r>
+            <a:endParaRPr lang="fr-FR" dirty="0" smtClean="0"/>
+          </a:p>
+          <a:p>
             <a:endParaRPr lang="fr-FR" dirty="0"/>
           </a:p>
         </p:txBody>
@@ -8348,7 +8351,7 @@
     </p:spTree>
     <p:extLst>
       <p:ext uri="{BB962C8B-B14F-4D97-AF65-F5344CB8AC3E}">
-        <p14:creationId xmlns:p14="http://schemas.microsoft.com/office/powerpoint/2010/main" val="3890996295"/>
+        <p14:creationId xmlns:p14="http://schemas.microsoft.com/office/powerpoint/2010/main" val="2846846045"/>
       </p:ext>
     </p:extLst>
   </p:cSld>
@@ -8402,38 +8405,10 @@
           <a:bodyPr/>
           <a:lstStyle/>
           <a:p>
-            <a:pPr marL="0" marR="0" indent="0" algn="l" defTabSz="914400" rtl="0" eaLnBrk="1" fontAlgn="auto" latinLnBrk="0" hangingPunct="1">
-              <a:lnSpc>
-                <a:spcPct val="100000"/>
-              </a:lnSpc>
-              <a:spcBef>
-                <a:spcPts val="0"/>
-              </a:spcBef>
-              <a:spcAft>
-                <a:spcPts val="0"/>
-              </a:spcAft>
-              <a:buClrTx/>
-              <a:buSzTx/>
-              <a:buFontTx/>
-              <a:buNone/>
-              <a:tabLst/>
-              <a:defRPr/>
-            </a:pPr>
             <a:r>
-              <a:rPr lang="fr-FR" baseline="0" dirty="0" err="1" smtClean="0"/>
-              <a:t>Guilluinar</a:t>
+              <a:rPr lang="en-US" dirty="0" err="1" smtClean="0"/>
+              <a:t>Guillinar</a:t>
             </a:r>
-            <a:r>
-              <a:rPr lang="fr-FR" baseline="0" dirty="0" smtClean="0"/>
-              <a:t> =&gt; </a:t>
-            </a:r>
-            <a:r>
-              <a:rPr lang="en-US" dirty="0" smtClean="0"/>
-              <a:t>Guillaume</a:t>
-            </a:r>
-            <a:endParaRPr lang="fr-FR" dirty="0" smtClean="0"/>
-          </a:p>
-          <a:p>
             <a:endParaRPr lang="fr-FR" dirty="0"/>
           </a:p>
         </p:txBody>
@@ -8464,7 +8439,7 @@
     </p:spTree>
     <p:extLst>
       <p:ext uri="{BB962C8B-B14F-4D97-AF65-F5344CB8AC3E}">
-        <p14:creationId xmlns:p14="http://schemas.microsoft.com/office/powerpoint/2010/main" val="4192025688"/>
+        <p14:creationId xmlns:p14="http://schemas.microsoft.com/office/powerpoint/2010/main" val="3890996295"/>
       </p:ext>
     </p:extLst>
   </p:cSld>
@@ -8614,10 +8589,6 @@
           <a:bodyPr/>
           <a:lstStyle/>
           <a:p>
-            <a:r>
-              <a:rPr lang="en-US" dirty="0" err="1" smtClean="0"/>
-              <a:t>Guillinar</a:t>
-            </a:r>
             <a:endParaRPr lang="fr-FR" dirty="0"/>
           </a:p>
         </p:txBody>
@@ -8648,7 +8619,7 @@
     </p:spTree>
     <p:extLst>
       <p:ext uri="{BB962C8B-B14F-4D97-AF65-F5344CB8AC3E}">
-        <p14:creationId xmlns:p14="http://schemas.microsoft.com/office/powerpoint/2010/main" val="3945108943"/>
+        <p14:creationId xmlns:p14="http://schemas.microsoft.com/office/powerpoint/2010/main" val="4192025688"/>
       </p:ext>
     </p:extLst>
   </p:cSld>
@@ -8706,10 +8677,6 @@
               <a:rPr lang="en-US" dirty="0" err="1" smtClean="0"/>
               <a:t>Guillinar</a:t>
             </a:r>
-            <a:r>
-              <a:rPr lang="en-US" dirty="0" smtClean="0"/>
-              <a:t>=&gt;Guillaume</a:t>
-            </a:r>
             <a:endParaRPr lang="fr-FR" dirty="0"/>
           </a:p>
         </p:txBody>
@@ -8740,7 +8707,7 @@
     </p:spTree>
     <p:extLst>
       <p:ext uri="{BB962C8B-B14F-4D97-AF65-F5344CB8AC3E}">
-        <p14:creationId xmlns:p14="http://schemas.microsoft.com/office/powerpoint/2010/main" val="1852029969"/>
+        <p14:creationId xmlns:p14="http://schemas.microsoft.com/office/powerpoint/2010/main" val="3945108943"/>
       </p:ext>
     </p:extLst>
   </p:cSld>
@@ -8794,30 +8761,14 @@
           <a:bodyPr/>
           <a:lstStyle/>
           <a:p>
-            <a:pPr marL="0" marR="0" indent="0" algn="l" defTabSz="914400" rtl="0" eaLnBrk="1" fontAlgn="auto" latinLnBrk="0" hangingPunct="1">
-              <a:lnSpc>
-                <a:spcPct val="100000"/>
-              </a:lnSpc>
-              <a:spcBef>
-                <a:spcPts val="0"/>
-              </a:spcBef>
-              <a:spcAft>
-                <a:spcPts val="0"/>
-              </a:spcAft>
-              <a:buClrTx/>
-              <a:buSzTx/>
-              <a:buFontTx/>
-              <a:buNone/>
-              <a:tabLst/>
-              <a:defRPr/>
-            </a:pPr>
+            <a:r>
+              <a:rPr lang="en-US" dirty="0" err="1" smtClean="0"/>
+              <a:t>Guillinar</a:t>
+            </a:r>
             <a:r>
               <a:rPr lang="en-US" dirty="0" smtClean="0"/>
-              <a:t>Guillaume</a:t>
+              <a:t>=&gt;Guillaume</a:t>
             </a:r>
-            <a:endParaRPr lang="fr-FR" dirty="0" smtClean="0"/>
-          </a:p>
-          <a:p>
             <a:endParaRPr lang="fr-FR" dirty="0"/>
           </a:p>
         </p:txBody>
@@ -8848,7 +8799,7 @@
     </p:spTree>
     <p:extLst>
       <p:ext uri="{BB962C8B-B14F-4D97-AF65-F5344CB8AC3E}">
-        <p14:creationId xmlns:p14="http://schemas.microsoft.com/office/powerpoint/2010/main" val="227212014"/>
+        <p14:creationId xmlns:p14="http://schemas.microsoft.com/office/powerpoint/2010/main" val="1852029969"/>
       </p:ext>
     </p:extLst>
   </p:cSld>
@@ -8948,6 +8899,114 @@
             <a:fld id="{476CD8B3-3307-4E45-8938-EAF563D0BBB2}" type="slidenum">
               <a:rPr lang="fr-FR" smtClean="0"/>
               <a:t>24</a:t>
+            </a:fld>
+            <a:endParaRPr lang="fr-FR"/>
+          </a:p>
+        </p:txBody>
+      </p:sp>
+    </p:spTree>
+    <p:extLst>
+      <p:ext uri="{BB962C8B-B14F-4D97-AF65-F5344CB8AC3E}">
+        <p14:creationId xmlns:p14="http://schemas.microsoft.com/office/powerpoint/2010/main" val="227212014"/>
+      </p:ext>
+    </p:extLst>
+  </p:cSld>
+  <p:clrMapOvr>
+    <a:masterClrMapping/>
+  </p:clrMapOvr>
+</p:notes>
+</file>
+
+<file path=ppt/notesSlides/notesSlide24.xml><?xml version="1.0" encoding="utf-8"?>
+<p:notes xmlns:a="http://schemas.openxmlformats.org/drawingml/2006/main" xmlns:r="http://schemas.openxmlformats.org/officeDocument/2006/relationships" xmlns:p="http://schemas.openxmlformats.org/presentationml/2006/main">
+  <p:cSld>
+    <p:spTree>
+      <p:nvGrpSpPr>
+        <p:cNvPr id="1" name=""/>
+        <p:cNvGrpSpPr/>
+        <p:nvPr/>
+      </p:nvGrpSpPr>
+      <p:grpSpPr>
+        <a:xfrm>
+          <a:off x="0" y="0"/>
+          <a:ext cx="0" cy="0"/>
+          <a:chOff x="0" y="0"/>
+          <a:chExt cx="0" cy="0"/>
+        </a:xfrm>
+      </p:grpSpPr>
+      <p:sp>
+        <p:nvSpPr>
+          <p:cNvPr id="2" name="Slide Image Placeholder 1"/>
+          <p:cNvSpPr>
+            <a:spLocks noGrp="1" noRot="1" noChangeAspect="1"/>
+          </p:cNvSpPr>
+          <p:nvPr>
+            <p:ph type="sldImg"/>
+          </p:nvPr>
+        </p:nvSpPr>
+        <p:spPr/>
+      </p:sp>
+      <p:sp>
+        <p:nvSpPr>
+          <p:cNvPr id="3" name="Notes Placeholder 2"/>
+          <p:cNvSpPr>
+            <a:spLocks noGrp="1"/>
+          </p:cNvSpPr>
+          <p:nvPr>
+            <p:ph type="body" idx="1"/>
+          </p:nvPr>
+        </p:nvSpPr>
+        <p:spPr/>
+        <p:txBody>
+          <a:bodyPr/>
+          <a:lstStyle/>
+          <a:p>
+            <a:pPr marL="0" marR="0" indent="0" algn="l" defTabSz="914400" rtl="0" eaLnBrk="1" fontAlgn="auto" latinLnBrk="0" hangingPunct="1">
+              <a:lnSpc>
+                <a:spcPct val="100000"/>
+              </a:lnSpc>
+              <a:spcBef>
+                <a:spcPts val="0"/>
+              </a:spcBef>
+              <a:spcAft>
+                <a:spcPts val="0"/>
+              </a:spcAft>
+              <a:buClrTx/>
+              <a:buSzTx/>
+              <a:buFontTx/>
+              <a:buNone/>
+              <a:tabLst/>
+              <a:defRPr/>
+            </a:pPr>
+            <a:r>
+              <a:rPr lang="en-US" dirty="0" smtClean="0"/>
+              <a:t>Guillaume</a:t>
+            </a:r>
+            <a:endParaRPr lang="fr-FR" dirty="0" smtClean="0"/>
+          </a:p>
+          <a:p>
+            <a:endParaRPr lang="fr-FR" dirty="0"/>
+          </a:p>
+        </p:txBody>
+      </p:sp>
+      <p:sp>
+        <p:nvSpPr>
+          <p:cNvPr id="4" name="Slide Number Placeholder 3"/>
+          <p:cNvSpPr>
+            <a:spLocks noGrp="1"/>
+          </p:cNvSpPr>
+          <p:nvPr>
+            <p:ph type="sldNum" sz="quarter" idx="10"/>
+          </p:nvPr>
+        </p:nvSpPr>
+        <p:spPr/>
+        <p:txBody>
+          <a:bodyPr/>
+          <a:lstStyle/>
+          <a:p>
+            <a:fld id="{476CD8B3-3307-4E45-8938-EAF563D0BBB2}" type="slidenum">
+              <a:rPr lang="fr-FR" smtClean="0"/>
+              <a:t>25</a:t>
             </a:fld>
             <a:endParaRPr lang="fr-FR"/>
           </a:p>
@@ -26862,7 +26921,6 @@
               <a:rPr lang="fr-FR" dirty="0" smtClean="0"/>
               <a:t>Saisie SMS</a:t>
             </a:r>
-            <a:endParaRPr lang="fr-FR" dirty="0" smtClean="0"/>
           </a:p>
           <a:p>
             <a:pPr lvl="1"/>
@@ -27016,11 +27074,7 @@
           <a:p>
             <a:r>
               <a:rPr lang="fr-FR" dirty="0" smtClean="0"/>
-              <a:t>LINQ </a:t>
-            </a:r>
-            <a:r>
-              <a:rPr lang="fr-FR" dirty="0" smtClean="0"/>
-              <a:t>to SQL</a:t>
+              <a:t>LINQ to SQL</a:t>
             </a:r>
           </a:p>
           <a:p>
@@ -28085,6 +28139,406 @@
             <a:spLocks noGrp="1"/>
           </p:cNvSpPr>
           <p:nvPr>
+            <p:ph idx="1"/>
+          </p:nvPr>
+        </p:nvSpPr>
+        <p:spPr/>
+        <p:txBody>
+          <a:bodyPr/>
+          <a:lstStyle/>
+          <a:p>
+            <a:r>
+              <a:rPr lang="en-US" dirty="0" smtClean="0"/>
+              <a:t>Plus de </a:t>
+            </a:r>
+            <a:r>
+              <a:rPr lang="en-US" dirty="0" err="1" smtClean="0"/>
+              <a:t>possibilit</a:t>
+            </a:r>
+            <a:r>
+              <a:rPr lang="fr-FR" dirty="0" smtClean="0"/>
+              <a:t>é</a:t>
+            </a:r>
+            <a:r>
+              <a:rPr lang="en-US" dirty="0" smtClean="0"/>
+              <a:t>s</a:t>
+            </a:r>
+          </a:p>
+          <a:p>
+            <a:pPr lvl="1"/>
+            <a:r>
+              <a:rPr lang="en-US" dirty="0" err="1" smtClean="0"/>
+              <a:t>Accus</a:t>
+            </a:r>
+            <a:r>
+              <a:rPr lang="fr-FR" dirty="0" smtClean="0"/>
+              <a:t>é</a:t>
+            </a:r>
+            <a:r>
+              <a:rPr lang="en-US" dirty="0" smtClean="0"/>
+              <a:t>s r</a:t>
+            </a:r>
+            <a:r>
+              <a:rPr lang="fr-FR" dirty="0" smtClean="0"/>
+              <a:t>é</a:t>
+            </a:r>
+            <a:r>
+              <a:rPr lang="en-US" dirty="0" err="1" smtClean="0"/>
+              <a:t>ception</a:t>
+            </a:r>
+            <a:endParaRPr lang="en-US" dirty="0" smtClean="0"/>
+          </a:p>
+          <a:p>
+            <a:pPr lvl="1"/>
+            <a:r>
+              <a:rPr lang="en-US" dirty="0" smtClean="0"/>
+              <a:t>P</a:t>
+            </a:r>
+            <a:r>
+              <a:rPr lang="fr-FR" dirty="0" smtClean="0"/>
+              <a:t>é</a:t>
+            </a:r>
+            <a:r>
+              <a:rPr lang="en-US" dirty="0" err="1" smtClean="0"/>
+              <a:t>riode</a:t>
+            </a:r>
+            <a:r>
+              <a:rPr lang="en-US" dirty="0" smtClean="0"/>
+              <a:t> de </a:t>
+            </a:r>
+            <a:r>
+              <a:rPr lang="en-US" dirty="0" err="1" smtClean="0"/>
+              <a:t>validit</a:t>
+            </a:r>
+            <a:r>
+              <a:rPr lang="fr-FR" dirty="0" smtClean="0"/>
+              <a:t>é</a:t>
+            </a:r>
+            <a:endParaRPr lang="en-US" dirty="0" smtClean="0"/>
+          </a:p>
+          <a:p>
+            <a:pPr lvl="1"/>
+            <a:r>
+              <a:rPr lang="en-US" dirty="0" err="1" smtClean="0"/>
+              <a:t>Encodage</a:t>
+            </a:r>
+            <a:endParaRPr lang="en-US" dirty="0" smtClean="0"/>
+          </a:p>
+          <a:p>
+            <a:pPr lvl="1"/>
+            <a:r>
+              <a:rPr lang="en-US" dirty="0" err="1" smtClean="0"/>
+              <a:t>Donn</a:t>
+            </a:r>
+            <a:r>
+              <a:rPr lang="fr-FR" dirty="0" smtClean="0"/>
+              <a:t>é</a:t>
+            </a:r>
+            <a:r>
+              <a:rPr lang="en-US" dirty="0" err="1" smtClean="0"/>
+              <a:t>es</a:t>
+            </a:r>
+            <a:endParaRPr lang="en-US" dirty="0" smtClean="0"/>
+          </a:p>
+          <a:p>
+            <a:pPr lvl="1"/>
+            <a:endParaRPr lang="en-US" dirty="0"/>
+          </a:p>
+          <a:p>
+            <a:pPr marL="0" indent="0">
+              <a:buNone/>
+            </a:pPr>
+            <a:endParaRPr lang="fr-FR" dirty="0"/>
+          </a:p>
+        </p:txBody>
+      </p:sp>
+      <p:sp>
+        <p:nvSpPr>
+          <p:cNvPr id="3" name="Footer Placeholder 2"/>
+          <p:cNvSpPr>
+            <a:spLocks noGrp="1"/>
+          </p:cNvSpPr>
+          <p:nvPr>
+            <p:ph type="ftr" sz="quarter" idx="11"/>
+          </p:nvPr>
+        </p:nvSpPr>
+        <p:spPr/>
+        <p:txBody>
+          <a:bodyPr/>
+          <a:lstStyle/>
+          <a:p>
+            <a:r>
+              <a:rPr lang="fr-FR" smtClean="0"/>
+              <a:t>Projet Industriel IG5</a:t>
+            </a:r>
+            <a:endParaRPr lang="fr-FR"/>
+          </a:p>
+        </p:txBody>
+      </p:sp>
+      <p:sp>
+        <p:nvSpPr>
+          <p:cNvPr id="4" name="Slide Number Placeholder 3"/>
+          <p:cNvSpPr>
+            <a:spLocks noGrp="1"/>
+          </p:cNvSpPr>
+          <p:nvPr>
+            <p:ph type="sldNum" sz="quarter" idx="12"/>
+          </p:nvPr>
+        </p:nvSpPr>
+        <p:spPr/>
+        <p:txBody>
+          <a:bodyPr/>
+          <a:lstStyle/>
+          <a:p>
+            <a:fld id="{405959CA-B0B4-4888-832B-6435D8AC3FC2}" type="slidenum">
+              <a:rPr lang="fr-FR" smtClean="0"/>
+              <a:pPr/>
+              <a:t>19</a:t>
+            </a:fld>
+            <a:endParaRPr lang="fr-FR" dirty="0"/>
+          </a:p>
+        </p:txBody>
+      </p:sp>
+      <p:sp>
+        <p:nvSpPr>
+          <p:cNvPr id="5" name="Title 4"/>
+          <p:cNvSpPr>
+            <a:spLocks noGrp="1"/>
+          </p:cNvSpPr>
+          <p:nvPr>
+            <p:ph type="title"/>
+          </p:nvPr>
+        </p:nvSpPr>
+        <p:spPr/>
+        <p:txBody>
+          <a:bodyPr/>
+          <a:lstStyle/>
+          <a:p>
+            <a:r>
+              <a:rPr lang="en-US" dirty="0" err="1" smtClean="0"/>
+              <a:t>Avantages</a:t>
+            </a:r>
+            <a:r>
+              <a:rPr lang="en-US" dirty="0" smtClean="0"/>
+              <a:t> mode PDU</a:t>
+            </a:r>
+            <a:endParaRPr lang="fr-FR" dirty="0"/>
+          </a:p>
+        </p:txBody>
+      </p:sp>
+    </p:spTree>
+    <p:extLst>
+      <p:ext uri="{BB962C8B-B14F-4D97-AF65-F5344CB8AC3E}">
+        <p14:creationId xmlns:p14="http://schemas.microsoft.com/office/powerpoint/2010/main" val="3337128581"/>
+      </p:ext>
+    </p:extLst>
+  </p:cSld>
+  <p:clrMapOvr>
+    <a:masterClrMapping/>
+  </p:clrMapOvr>
+  <p:timing>
+    <p:tnLst>
+      <p:par>
+        <p:cTn id="1" dur="indefinite" restart="never" nodeType="tmRoot"/>
+      </p:par>
+    </p:tnLst>
+  </p:timing>
+</p:sld>
+</file>
+
+<file path=ppt/slides/slide2.xml><?xml version="1.0" encoding="utf-8"?>
+<p:sld xmlns:a="http://schemas.openxmlformats.org/drawingml/2006/main" xmlns:r="http://schemas.openxmlformats.org/officeDocument/2006/relationships" xmlns:p="http://schemas.openxmlformats.org/presentationml/2006/main">
+  <p:cSld>
+    <p:spTree>
+      <p:nvGrpSpPr>
+        <p:cNvPr id="1" name=""/>
+        <p:cNvGrpSpPr/>
+        <p:nvPr/>
+      </p:nvGrpSpPr>
+      <p:grpSpPr>
+        <a:xfrm>
+          <a:off x="0" y="0"/>
+          <a:ext cx="0" cy="0"/>
+          <a:chOff x="0" y="0"/>
+          <a:chExt cx="0" cy="0"/>
+        </a:xfrm>
+      </p:grpSpPr>
+      <p:sp>
+        <p:nvSpPr>
+          <p:cNvPr id="3" name="Content Placeholder 2"/>
+          <p:cNvSpPr>
+            <a:spLocks noGrp="1"/>
+          </p:cNvSpPr>
+          <p:nvPr>
+            <p:ph idx="1"/>
+          </p:nvPr>
+        </p:nvSpPr>
+        <p:spPr/>
+        <p:txBody>
+          <a:bodyPr>
+            <a:normAutofit/>
+          </a:bodyPr>
+          <a:lstStyle/>
+          <a:p>
+            <a:r>
+              <a:rPr lang="en-US" dirty="0" err="1" smtClean="0"/>
+              <a:t>Pr</a:t>
+            </a:r>
+            <a:r>
+              <a:rPr lang="fr-FR" dirty="0" err="1" smtClean="0"/>
+              <a:t>ésentation</a:t>
+            </a:r>
+            <a:r>
+              <a:rPr lang="fr-FR" dirty="0" smtClean="0"/>
+              <a:t> de l’environnement</a:t>
+            </a:r>
+          </a:p>
+          <a:p>
+            <a:r>
+              <a:rPr lang="fr-FR" dirty="0" smtClean="0"/>
+              <a:t>Présentation du projet</a:t>
+            </a:r>
+          </a:p>
+          <a:p>
+            <a:r>
+              <a:rPr lang="fr-FR" dirty="0"/>
+              <a:t>T</a:t>
+            </a:r>
+            <a:r>
+              <a:rPr lang="fr-FR" dirty="0" smtClean="0"/>
+              <a:t>ravail réalisé</a:t>
+            </a:r>
+          </a:p>
+          <a:p>
+            <a:r>
+              <a:rPr lang="fr-FR" dirty="0" smtClean="0"/>
+              <a:t>Bilan</a:t>
+            </a:r>
+          </a:p>
+          <a:p>
+            <a:r>
+              <a:rPr lang="fr-FR" dirty="0"/>
+              <a:t>Démonstration</a:t>
+            </a:r>
+          </a:p>
+          <a:p>
+            <a:endParaRPr lang="fr-FR" dirty="0"/>
+          </a:p>
+        </p:txBody>
+      </p:sp>
+      <p:sp>
+        <p:nvSpPr>
+          <p:cNvPr id="2" name="Title 1"/>
+          <p:cNvSpPr>
+            <a:spLocks noGrp="1"/>
+          </p:cNvSpPr>
+          <p:nvPr>
+            <p:ph type="title"/>
+          </p:nvPr>
+        </p:nvSpPr>
+        <p:spPr/>
+        <p:txBody>
+          <a:bodyPr/>
+          <a:lstStyle/>
+          <a:p>
+            <a:r>
+              <a:rPr lang="en-US" dirty="0" err="1" smtClean="0"/>
+              <a:t>Sommaire</a:t>
+            </a:r>
+            <a:endParaRPr lang="fr-FR" dirty="0"/>
+          </a:p>
+        </p:txBody>
+      </p:sp>
+      <p:sp>
+        <p:nvSpPr>
+          <p:cNvPr id="10" name="Footer Placeholder 9"/>
+          <p:cNvSpPr>
+            <a:spLocks noGrp="1"/>
+          </p:cNvSpPr>
+          <p:nvPr>
+            <p:ph type="ftr" sz="quarter" idx="11"/>
+          </p:nvPr>
+        </p:nvSpPr>
+        <p:spPr/>
+        <p:txBody>
+          <a:bodyPr/>
+          <a:lstStyle/>
+          <a:p>
+            <a:r>
+              <a:rPr lang="fr-FR" smtClean="0"/>
+              <a:t>Projet Industriel IG5</a:t>
+            </a:r>
+            <a:endParaRPr lang="fr-FR"/>
+          </a:p>
+        </p:txBody>
+      </p:sp>
+      <p:sp>
+        <p:nvSpPr>
+          <p:cNvPr id="11" name="Slide Number Placeholder 10"/>
+          <p:cNvSpPr>
+            <a:spLocks noGrp="1"/>
+          </p:cNvSpPr>
+          <p:nvPr>
+            <p:ph type="sldNum" sz="quarter" idx="12"/>
+          </p:nvPr>
+        </p:nvSpPr>
+        <p:spPr/>
+        <p:txBody>
+          <a:bodyPr/>
+          <a:lstStyle/>
+          <a:p>
+            <a:fld id="{405959CA-B0B4-4888-832B-6435D8AC3FC2}" type="slidenum">
+              <a:rPr lang="fr-FR" smtClean="0"/>
+              <a:t>2</a:t>
+            </a:fld>
+            <a:endParaRPr lang="fr-FR"/>
+          </a:p>
+        </p:txBody>
+      </p:sp>
+    </p:spTree>
+    <p:extLst>
+      <p:ext uri="{BB962C8B-B14F-4D97-AF65-F5344CB8AC3E}">
+        <p14:creationId xmlns:p14="http://schemas.microsoft.com/office/powerpoint/2010/main" val="3891192109"/>
+      </p:ext>
+    </p:extLst>
+  </p:cSld>
+  <p:clrMapOvr>
+    <a:masterClrMapping/>
+  </p:clrMapOvr>
+  <p:timing>
+    <p:tnLst>
+      <p:par>
+        <p:cTn id="1" dur="indefinite" restart="never" nodeType="tmRoot"/>
+      </p:par>
+    </p:tnLst>
+  </p:timing>
+</p:sld>
+</file>
+
+<file path=ppt/slides/slide20.xml><?xml version="1.0" encoding="utf-8"?>
+<p:sld xmlns:a="http://schemas.openxmlformats.org/drawingml/2006/main" xmlns:r="http://schemas.openxmlformats.org/officeDocument/2006/relationships" xmlns:p="http://schemas.openxmlformats.org/presentationml/2006/main">
+  <p:cSld>
+    <p:spTree>
+      <p:nvGrpSpPr>
+        <p:cNvPr id="1" name=""/>
+        <p:cNvGrpSpPr/>
+        <p:nvPr/>
+      </p:nvGrpSpPr>
+      <p:grpSpPr>
+        <a:xfrm>
+          <a:off x="0" y="0"/>
+          <a:ext cx="0" cy="0"/>
+          <a:chOff x="0" y="0"/>
+          <a:chExt cx="0" cy="0"/>
+        </a:xfrm>
+      </p:grpSpPr>
+      <p:sp>
+        <p:nvSpPr>
+          <p:cNvPr id="2" name="Content Placeholder 1"/>
+          <p:cNvSpPr>
+            <a:spLocks noGrp="1"/>
+          </p:cNvSpPr>
+          <p:nvPr>
             <p:ph idx="4294967295"/>
           </p:nvPr>
         </p:nvSpPr>
@@ -28196,7 +28650,7 @@
           <a:p>
             <a:fld id="{405959CA-B0B4-4888-832B-6435D8AC3FC2}" type="slidenum">
               <a:rPr lang="fr-FR" smtClean="0"/>
-              <a:t>19</a:t>
+              <a:t>20</a:t>
             </a:fld>
             <a:endParaRPr lang="fr-FR"/>
           </a:p>
@@ -28434,174 +28888,7 @@
 </p:sld>
 </file>
 
-<file path=ppt/slides/slide2.xml><?xml version="1.0" encoding="utf-8"?>
-<p:sld xmlns:a="http://schemas.openxmlformats.org/drawingml/2006/main" xmlns:r="http://schemas.openxmlformats.org/officeDocument/2006/relationships" xmlns:p="http://schemas.openxmlformats.org/presentationml/2006/main">
-  <p:cSld>
-    <p:spTree>
-      <p:nvGrpSpPr>
-        <p:cNvPr id="1" name=""/>
-        <p:cNvGrpSpPr/>
-        <p:nvPr/>
-      </p:nvGrpSpPr>
-      <p:grpSpPr>
-        <a:xfrm>
-          <a:off x="0" y="0"/>
-          <a:ext cx="0" cy="0"/>
-          <a:chOff x="0" y="0"/>
-          <a:chExt cx="0" cy="0"/>
-        </a:xfrm>
-      </p:grpSpPr>
-      <p:sp>
-        <p:nvSpPr>
-          <p:cNvPr id="3" name="Content Placeholder 2"/>
-          <p:cNvSpPr>
-            <a:spLocks noGrp="1"/>
-          </p:cNvSpPr>
-          <p:nvPr>
-            <p:ph idx="1"/>
-          </p:nvPr>
-        </p:nvSpPr>
-        <p:spPr/>
-        <p:txBody>
-          <a:bodyPr>
-            <a:normAutofit/>
-          </a:bodyPr>
-          <a:lstStyle/>
-          <a:p>
-            <a:r>
-              <a:rPr lang="en-US" dirty="0" err="1" smtClean="0"/>
-              <a:t>Pr</a:t>
-            </a:r>
-            <a:r>
-              <a:rPr lang="fr-FR" dirty="0" err="1" smtClean="0"/>
-              <a:t>ésentation</a:t>
-            </a:r>
-            <a:r>
-              <a:rPr lang="fr-FR" dirty="0" smtClean="0"/>
-              <a:t> de l’environnement</a:t>
-            </a:r>
-          </a:p>
-          <a:p>
-            <a:r>
-              <a:rPr lang="fr-FR" dirty="0" smtClean="0"/>
-              <a:t>Présentation du projet</a:t>
-            </a:r>
-          </a:p>
-          <a:p>
-            <a:r>
-              <a:rPr lang="fr-FR" dirty="0"/>
-              <a:t>T</a:t>
-            </a:r>
-            <a:r>
-              <a:rPr lang="fr-FR" dirty="0" smtClean="0"/>
-              <a:t>ravail réalisé</a:t>
-            </a:r>
-          </a:p>
-          <a:p>
-            <a:r>
-              <a:rPr lang="fr-FR" dirty="0" smtClean="0"/>
-              <a:t>Démonstration</a:t>
-            </a:r>
-          </a:p>
-          <a:p>
-            <a:r>
-              <a:rPr lang="fr-FR" dirty="0" smtClean="0"/>
-              <a:t>Conclusion</a:t>
-            </a:r>
-            <a:endParaRPr lang="fr-FR" dirty="0"/>
-          </a:p>
-        </p:txBody>
-      </p:sp>
-      <p:sp>
-        <p:nvSpPr>
-          <p:cNvPr id="2" name="Title 1"/>
-          <p:cNvSpPr>
-            <a:spLocks noGrp="1"/>
-          </p:cNvSpPr>
-          <p:nvPr>
-            <p:ph type="title"/>
-          </p:nvPr>
-        </p:nvSpPr>
-        <p:spPr/>
-        <p:txBody>
-          <a:bodyPr/>
-          <a:lstStyle/>
-          <a:p>
-            <a:r>
-              <a:rPr lang="en-US" dirty="0" err="1" smtClean="0"/>
-              <a:t>Sommaire</a:t>
-            </a:r>
-            <a:endParaRPr lang="fr-FR" dirty="0"/>
-          </a:p>
-        </p:txBody>
-      </p:sp>
-      <p:sp>
-        <p:nvSpPr>
-          <p:cNvPr id="10" name="Footer Placeholder 9"/>
-          <p:cNvSpPr>
-            <a:spLocks noGrp="1"/>
-          </p:cNvSpPr>
-          <p:nvPr>
-            <p:ph type="ftr" sz="quarter" idx="11"/>
-          </p:nvPr>
-        </p:nvSpPr>
-        <p:spPr/>
-        <p:txBody>
-          <a:bodyPr/>
-          <a:lstStyle/>
-          <a:p>
-            <a:r>
-              <a:rPr lang="fr-FR" smtClean="0"/>
-              <a:t>Projet Industriel IG5</a:t>
-            </a:r>
-            <a:endParaRPr lang="fr-FR"/>
-          </a:p>
-        </p:txBody>
-      </p:sp>
-      <p:sp>
-        <p:nvSpPr>
-          <p:cNvPr id="11" name="Slide Number Placeholder 10"/>
-          <p:cNvSpPr>
-            <a:spLocks noGrp="1"/>
-          </p:cNvSpPr>
-          <p:nvPr>
-            <p:ph type="sldNum" sz="quarter" idx="12"/>
-          </p:nvPr>
-        </p:nvSpPr>
-        <p:spPr/>
-        <p:txBody>
-          <a:bodyPr/>
-          <a:lstStyle/>
-          <a:p>
-            <a:fld id="{405959CA-B0B4-4888-832B-6435D8AC3FC2}" type="slidenum">
-              <a:rPr lang="fr-FR" smtClean="0"/>
-              <a:t>2</a:t>
-            </a:fld>
-            <a:endParaRPr lang="fr-FR"/>
-          </a:p>
-        </p:txBody>
-      </p:sp>
-    </p:spTree>
-    <p:extLst>
-      <p:ext uri="{BB962C8B-B14F-4D97-AF65-F5344CB8AC3E}">
-        <p14:creationId xmlns:p14="http://schemas.microsoft.com/office/powerpoint/2010/main" val="3891192109"/>
-      </p:ext>
-    </p:extLst>
-  </p:cSld>
-  <p:clrMapOvr>
-    <a:masterClrMapping/>
-  </p:clrMapOvr>
-  <p:timing>
-    <p:tnLst>
-      <p:par>
-        <p:cTn id="1" dur="indefinite" restart="never" nodeType="tmRoot"/>
-      </p:par>
-    </p:tnLst>
-  </p:timing>
-</p:sld>
-</file>
-
-<file path=ppt/slides/slide20.xml><?xml version="1.0" encoding="utf-8"?>
+<file path=ppt/slides/slide21.xml><?xml version="1.0" encoding="utf-8"?>
 <p:sld xmlns:a="http://schemas.openxmlformats.org/drawingml/2006/main" xmlns:r="http://schemas.openxmlformats.org/officeDocument/2006/relationships" xmlns:p="http://schemas.openxmlformats.org/presentationml/2006/main">
   <p:cSld>
     <p:spTree>
@@ -28736,7 +29023,7 @@
           <a:p>
             <a:fld id="{405959CA-B0B4-4888-832B-6435D8AC3FC2}" type="slidenum">
               <a:rPr lang="fr-FR" smtClean="0"/>
-              <a:t>20</a:t>
+              <a:t>21</a:t>
             </a:fld>
             <a:endParaRPr lang="fr-FR"/>
           </a:p>
@@ -28974,7 +29261,7 @@
 </p:sld>
 </file>
 
-<file path=ppt/slides/slide21.xml><?xml version="1.0" encoding="utf-8"?>
+<file path=ppt/slides/slide22.xml><?xml version="1.0" encoding="utf-8"?>
 <p:sld xmlns:a="http://schemas.openxmlformats.org/drawingml/2006/main" xmlns:r="http://schemas.openxmlformats.org/officeDocument/2006/relationships" xmlns:p="http://schemas.openxmlformats.org/presentationml/2006/main">
   <p:cSld>
     <p:spTree>
@@ -29091,7 +29378,7 @@
           <a:p>
             <a:fld id="{405959CA-B0B4-4888-832B-6435D8AC3FC2}" type="slidenum">
               <a:rPr lang="fr-FR" smtClean="0"/>
-              <a:t>21</a:t>
+              <a:t>22</a:t>
             </a:fld>
             <a:endParaRPr lang="fr-FR"/>
           </a:p>
@@ -29179,160 +29466,6 @@
 </p:sld>
 </file>
 
-<file path=ppt/slides/slide22.xml><?xml version="1.0" encoding="utf-8"?>
-<p:sld xmlns:a="http://schemas.openxmlformats.org/drawingml/2006/main" xmlns:r="http://schemas.openxmlformats.org/officeDocument/2006/relationships" xmlns:p="http://schemas.openxmlformats.org/presentationml/2006/main">
-  <p:cSld>
-    <p:spTree>
-      <p:nvGrpSpPr>
-        <p:cNvPr id="1" name=""/>
-        <p:cNvGrpSpPr/>
-        <p:nvPr/>
-      </p:nvGrpSpPr>
-      <p:grpSpPr>
-        <a:xfrm>
-          <a:off x="0" y="0"/>
-          <a:ext cx="0" cy="0"/>
-          <a:chOff x="0" y="0"/>
-          <a:chExt cx="0" cy="0"/>
-        </a:xfrm>
-      </p:grpSpPr>
-      <p:sp>
-        <p:nvSpPr>
-          <p:cNvPr id="7" name="Content Placeholder 6"/>
-          <p:cNvSpPr>
-            <a:spLocks noGrp="1"/>
-          </p:cNvSpPr>
-          <p:nvPr>
-            <p:ph idx="1"/>
-          </p:nvPr>
-        </p:nvSpPr>
-        <p:spPr/>
-        <p:txBody>
-          <a:bodyPr/>
-          <a:lstStyle/>
-          <a:p>
-            <a:r>
-              <a:rPr lang="fr-FR" dirty="0" smtClean="0"/>
-              <a:t>Apprentissage des technologies</a:t>
-            </a:r>
-          </a:p>
-          <a:p>
-            <a:endParaRPr lang="fr-FR" dirty="0"/>
-          </a:p>
-          <a:p>
-            <a:r>
-              <a:rPr lang="fr-FR" dirty="0" smtClean="0"/>
-              <a:t>Problèmes de compatibilité</a:t>
-            </a:r>
-          </a:p>
-          <a:p>
-            <a:pPr lvl="1"/>
-            <a:r>
-              <a:rPr lang="fr-FR" dirty="0" smtClean="0"/>
-              <a:t>JavaScript avec le Framework .Net</a:t>
-            </a:r>
-          </a:p>
-          <a:p>
-            <a:endParaRPr lang="fr-FR" dirty="0"/>
-          </a:p>
-          <a:p>
-            <a:r>
-              <a:rPr lang="fr-FR" dirty="0" smtClean="0"/>
-              <a:t>Réception des accusés</a:t>
-            </a:r>
-            <a:endParaRPr lang="fr-FR" dirty="0"/>
-          </a:p>
-        </p:txBody>
-      </p:sp>
-      <p:sp>
-        <p:nvSpPr>
-          <p:cNvPr id="4" name="Footer Placeholder 3"/>
-          <p:cNvSpPr>
-            <a:spLocks noGrp="1"/>
-          </p:cNvSpPr>
-          <p:nvPr>
-            <p:ph type="ftr" sz="quarter" idx="11"/>
-          </p:nvPr>
-        </p:nvSpPr>
-        <p:spPr/>
-        <p:txBody>
-          <a:bodyPr/>
-          <a:lstStyle/>
-          <a:p>
-            <a:r>
-              <a:rPr lang="fr-FR" smtClean="0"/>
-              <a:t>Projet Industriel IG5</a:t>
-            </a:r>
-            <a:endParaRPr lang="fr-FR"/>
-          </a:p>
-        </p:txBody>
-      </p:sp>
-      <p:sp>
-        <p:nvSpPr>
-          <p:cNvPr id="5" name="Slide Number Placeholder 4"/>
-          <p:cNvSpPr>
-            <a:spLocks noGrp="1"/>
-          </p:cNvSpPr>
-          <p:nvPr>
-            <p:ph type="sldNum" sz="quarter" idx="12"/>
-          </p:nvPr>
-        </p:nvSpPr>
-        <p:spPr/>
-        <p:txBody>
-          <a:bodyPr/>
-          <a:lstStyle/>
-          <a:p>
-            <a:fld id="{405959CA-B0B4-4888-832B-6435D8AC3FC2}" type="slidenum">
-              <a:rPr lang="fr-FR" smtClean="0"/>
-              <a:t>22</a:t>
-            </a:fld>
-            <a:endParaRPr lang="fr-FR"/>
-          </a:p>
-        </p:txBody>
-      </p:sp>
-      <p:sp>
-        <p:nvSpPr>
-          <p:cNvPr id="6" name="Title 5"/>
-          <p:cNvSpPr>
-            <a:spLocks noGrp="1"/>
-          </p:cNvSpPr>
-          <p:nvPr>
-            <p:ph type="title"/>
-          </p:nvPr>
-        </p:nvSpPr>
-        <p:spPr/>
-        <p:txBody>
-          <a:bodyPr/>
-          <a:lstStyle/>
-          <a:p>
-            <a:r>
-              <a:rPr lang="fr-FR" dirty="0" smtClean="0"/>
-              <a:t>Difficultés rencontrées</a:t>
-            </a:r>
-            <a:endParaRPr lang="fr-FR" dirty="0"/>
-          </a:p>
-        </p:txBody>
-      </p:sp>
-    </p:spTree>
-    <p:extLst>
-      <p:ext uri="{BB962C8B-B14F-4D97-AF65-F5344CB8AC3E}">
-        <p14:creationId xmlns:p14="http://schemas.microsoft.com/office/powerpoint/2010/main" val="3564150991"/>
-      </p:ext>
-    </p:extLst>
-  </p:cSld>
-  <p:clrMapOvr>
-    <a:masterClrMapping/>
-  </p:clrMapOvr>
-  <p:timing>
-    <p:tnLst>
-      <p:par>
-        <p:cTn id="1" dur="indefinite" restart="never" nodeType="tmRoot"/>
-      </p:par>
-    </p:tnLst>
-  </p:timing>
-</p:sld>
-</file>
-
 <file path=ppt/slides/slide23.xml><?xml version="1.0" encoding="utf-8"?>
 <p:sld xmlns:a="http://schemas.openxmlformats.org/drawingml/2006/main" xmlns:r="http://schemas.openxmlformats.org/officeDocument/2006/relationships" xmlns:p="http://schemas.openxmlformats.org/presentationml/2006/main">
   <p:cSld>
@@ -29367,7 +29500,7 @@
           <a:p>
             <a:r>
               <a:rPr lang="fr-FR" dirty="0" smtClean="0"/>
-              <a:t>Objectifs atteints</a:t>
+              <a:t>Apprentissage des technologies</a:t>
             </a:r>
           </a:p>
           <a:p>
@@ -29376,36 +29509,71 @@
           <a:p>
             <a:r>
               <a:rPr lang="fr-FR" dirty="0" smtClean="0"/>
-              <a:t>Propositions d’améliorations</a:t>
+              <a:t>Problèmes de compatibilité</a:t>
             </a:r>
           </a:p>
           <a:p>
             <a:pPr lvl="1"/>
             <a:r>
               <a:rPr lang="fr-FR" dirty="0" smtClean="0"/>
-              <a:t>Utilisation multi-utilisateurs</a:t>
+              <a:t>JavaScript avec le Framework .Net</a:t>
+            </a:r>
+          </a:p>
+          <a:p>
+            <a:endParaRPr lang="fr-FR" dirty="0"/>
+          </a:p>
+          <a:p>
+            <a:r>
+              <a:rPr lang="fr-FR" dirty="0" smtClean="0"/>
+              <a:t>Réception des accusés</a:t>
             </a:r>
             <a:endParaRPr lang="fr-FR" dirty="0"/>
           </a:p>
-          <a:p>
-            <a:pPr lvl="1"/>
+        </p:txBody>
+      </p:sp>
+      <p:sp>
+        <p:nvSpPr>
+          <p:cNvPr id="4" name="Footer Placeholder 3"/>
+          <p:cNvSpPr>
+            <a:spLocks noGrp="1"/>
+          </p:cNvSpPr>
+          <p:nvPr>
+            <p:ph type="ftr" sz="quarter" idx="11"/>
+          </p:nvPr>
+        </p:nvSpPr>
+        <p:spPr/>
+        <p:txBody>
+          <a:bodyPr/>
+          <a:lstStyle/>
+          <a:p>
             <a:r>
-              <a:rPr lang="fr-FR" dirty="0" smtClean="0"/>
-              <a:t>Sécurité d’accès aux </a:t>
+              <a:rPr lang="fr-FR" smtClean="0"/>
+              <a:t>Projet Industriel IG5</a:t>
             </a:r>
-            <a:r>
-              <a:rPr lang="fr-FR" dirty="0" smtClean="0"/>
-              <a:t>données</a:t>
-            </a:r>
-            <a:endParaRPr lang="fr-FR" dirty="0"/>
-          </a:p>
-          <a:p>
-            <a:pPr lvl="1"/>
-            <a:r>
-              <a:rPr lang="fr-FR" dirty="0" smtClean="0"/>
-              <a:t>Gestion des contacts</a:t>
-            </a:r>
-            <a:endParaRPr lang="fr-FR" dirty="0"/>
+            <a:endParaRPr lang="fr-FR"/>
+          </a:p>
+        </p:txBody>
+      </p:sp>
+      <p:sp>
+        <p:nvSpPr>
+          <p:cNvPr id="5" name="Slide Number Placeholder 4"/>
+          <p:cNvSpPr>
+            <a:spLocks noGrp="1"/>
+          </p:cNvSpPr>
+          <p:nvPr>
+            <p:ph type="sldNum" sz="quarter" idx="12"/>
+          </p:nvPr>
+        </p:nvSpPr>
+        <p:spPr/>
+        <p:txBody>
+          <a:bodyPr/>
+          <a:lstStyle/>
+          <a:p>
+            <a:fld id="{405959CA-B0B4-4888-832B-6435D8AC3FC2}" type="slidenum">
+              <a:rPr lang="fr-FR" smtClean="0"/>
+              <a:t>23</a:t>
+            </a:fld>
+            <a:endParaRPr lang="fr-FR"/>
           </a:p>
         </p:txBody>
       </p:sp>
@@ -29426,62 +29594,16 @@
           <a:p>
             <a:r>
               <a:rPr lang="fr-FR" dirty="0" smtClean="0"/>
-              <a:t>Bilan entreprise</a:t>
+              <a:t>Difficultés rencontrées</a:t>
             </a:r>
             <a:endParaRPr lang="fr-FR" dirty="0"/>
-          </a:p>
-        </p:txBody>
-      </p:sp>
-      <p:sp>
-        <p:nvSpPr>
-          <p:cNvPr id="10" name="Footer Placeholder 9"/>
-          <p:cNvSpPr>
-            <a:spLocks noGrp="1"/>
-          </p:cNvSpPr>
-          <p:nvPr>
-            <p:ph type="ftr" sz="quarter" idx="11"/>
-          </p:nvPr>
-        </p:nvSpPr>
-        <p:spPr/>
-        <p:txBody>
-          <a:bodyPr/>
-          <a:lstStyle/>
-          <a:p>
-            <a:r>
-              <a:rPr lang="fr-FR" smtClean="0"/>
-              <a:t>Projet Industriel IG5</a:t>
-            </a:r>
-            <a:endParaRPr lang="fr-FR"/>
-          </a:p>
-        </p:txBody>
-      </p:sp>
-      <p:sp>
-        <p:nvSpPr>
-          <p:cNvPr id="11" name="Slide Number Placeholder 10"/>
-          <p:cNvSpPr>
-            <a:spLocks noGrp="1"/>
-          </p:cNvSpPr>
-          <p:nvPr>
-            <p:ph type="sldNum" sz="quarter" idx="12"/>
-          </p:nvPr>
-        </p:nvSpPr>
-        <p:spPr/>
-        <p:txBody>
-          <a:bodyPr/>
-          <a:lstStyle/>
-          <a:p>
-            <a:fld id="{405959CA-B0B4-4888-832B-6435D8AC3FC2}" type="slidenum">
-              <a:rPr lang="fr-FR" smtClean="0"/>
-              <a:t>23</a:t>
-            </a:fld>
-            <a:endParaRPr lang="fr-FR"/>
           </a:p>
         </p:txBody>
       </p:sp>
     </p:spTree>
     <p:extLst>
       <p:ext uri="{BB962C8B-B14F-4D97-AF65-F5344CB8AC3E}">
-        <p14:creationId xmlns:p14="http://schemas.microsoft.com/office/powerpoint/2010/main" val="1688914134"/>
+        <p14:creationId xmlns:p14="http://schemas.microsoft.com/office/powerpoint/2010/main" val="3564150991"/>
       </p:ext>
     </p:extLst>
   </p:cSld>
@@ -29532,38 +29654,39 @@
           <a:p>
             <a:r>
               <a:rPr lang="fr-FR" dirty="0" smtClean="0"/>
-              <a:t>Apprentissage </a:t>
+              <a:t>Objectifs atteints</a:t>
             </a:r>
+          </a:p>
+          <a:p>
+            <a:endParaRPr lang="fr-FR" dirty="0"/>
+          </a:p>
+          <a:p>
             <a:r>
               <a:rPr lang="fr-FR" dirty="0" smtClean="0"/>
-              <a:t>de concepts et technologies</a:t>
+              <a:t>Propositions d’améliorations</a:t>
             </a:r>
           </a:p>
           <a:p>
             <a:pPr lvl="1"/>
-            <a:endParaRPr lang="fr-FR" dirty="0"/>
-          </a:p>
-          <a:p>
             <a:r>
               <a:rPr lang="fr-FR" dirty="0" smtClean="0"/>
-              <a:t>Liaison </a:t>
+              <a:t>Utilisation multi-utilisateurs</a:t>
             </a:r>
+            <a:endParaRPr lang="fr-FR" dirty="0"/>
+          </a:p>
+          <a:p>
+            <a:pPr lvl="1"/>
             <a:r>
               <a:rPr lang="fr-FR" dirty="0" smtClean="0"/>
-              <a:t>avec le monde </a:t>
+              <a:t>Sécurité d’accès aux données</a:t>
             </a:r>
+            <a:endParaRPr lang="fr-FR" dirty="0"/>
+          </a:p>
+          <a:p>
+            <a:pPr lvl="1"/>
             <a:r>
               <a:rPr lang="fr-FR" dirty="0" smtClean="0"/>
-              <a:t>industriel</a:t>
-            </a:r>
-          </a:p>
-          <a:p>
-            <a:endParaRPr lang="fr-FR" dirty="0" smtClean="0"/>
-          </a:p>
-          <a:p>
-            <a:r>
-              <a:rPr lang="fr-FR" dirty="0" smtClean="0"/>
-              <a:t>Importance de la mobilité</a:t>
+              <a:t>Gestion des contacts</a:t>
             </a:r>
             <a:endParaRPr lang="fr-FR" dirty="0"/>
           </a:p>
@@ -29586,7 +29709,7 @@
           <a:p>
             <a:r>
               <a:rPr lang="fr-FR" dirty="0" smtClean="0"/>
-              <a:t>Bilan personnel</a:t>
+              <a:t>Bilan entreprise</a:t>
             </a:r>
             <a:endParaRPr lang="fr-FR" dirty="0"/>
           </a:p>
@@ -29641,7 +29764,7 @@
     </p:spTree>
     <p:extLst>
       <p:ext uri="{BB962C8B-B14F-4D97-AF65-F5344CB8AC3E}">
-        <p14:creationId xmlns:p14="http://schemas.microsoft.com/office/powerpoint/2010/main" val="381314510"/>
+        <p14:creationId xmlns:p14="http://schemas.microsoft.com/office/powerpoint/2010/main" val="1688914134"/>
       </p:ext>
     </p:extLst>
   </p:cSld>
@@ -29677,6 +29800,154 @@
       </p:grpSpPr>
       <p:sp>
         <p:nvSpPr>
+          <p:cNvPr id="7" name="Content Placeholder 6"/>
+          <p:cNvSpPr>
+            <a:spLocks noGrp="1"/>
+          </p:cNvSpPr>
+          <p:nvPr>
+            <p:ph idx="1"/>
+          </p:nvPr>
+        </p:nvSpPr>
+        <p:spPr/>
+        <p:txBody>
+          <a:bodyPr/>
+          <a:lstStyle/>
+          <a:p>
+            <a:r>
+              <a:rPr lang="fr-FR" dirty="0" smtClean="0"/>
+              <a:t>Apprentissage de concepts et technologies</a:t>
+            </a:r>
+          </a:p>
+          <a:p>
+            <a:pPr lvl="1"/>
+            <a:endParaRPr lang="fr-FR" dirty="0"/>
+          </a:p>
+          <a:p>
+            <a:r>
+              <a:rPr lang="fr-FR" dirty="0" smtClean="0"/>
+              <a:t>Liaison avec le monde industriel</a:t>
+            </a:r>
+          </a:p>
+          <a:p>
+            <a:endParaRPr lang="fr-FR" dirty="0" smtClean="0"/>
+          </a:p>
+          <a:p>
+            <a:r>
+              <a:rPr lang="fr-FR" dirty="0" smtClean="0"/>
+              <a:t>Importance de la mobilité</a:t>
+            </a:r>
+            <a:endParaRPr lang="fr-FR" dirty="0"/>
+          </a:p>
+        </p:txBody>
+      </p:sp>
+      <p:sp>
+        <p:nvSpPr>
+          <p:cNvPr id="6" name="Title 5"/>
+          <p:cNvSpPr>
+            <a:spLocks noGrp="1"/>
+          </p:cNvSpPr>
+          <p:nvPr>
+            <p:ph type="title"/>
+          </p:nvPr>
+        </p:nvSpPr>
+        <p:spPr/>
+        <p:txBody>
+          <a:bodyPr/>
+          <a:lstStyle/>
+          <a:p>
+            <a:r>
+              <a:rPr lang="fr-FR" dirty="0" smtClean="0"/>
+              <a:t>Bilan personnel</a:t>
+            </a:r>
+            <a:endParaRPr lang="fr-FR" dirty="0"/>
+          </a:p>
+        </p:txBody>
+      </p:sp>
+      <p:sp>
+        <p:nvSpPr>
+          <p:cNvPr id="10" name="Footer Placeholder 9"/>
+          <p:cNvSpPr>
+            <a:spLocks noGrp="1"/>
+          </p:cNvSpPr>
+          <p:nvPr>
+            <p:ph type="ftr" sz="quarter" idx="11"/>
+          </p:nvPr>
+        </p:nvSpPr>
+        <p:spPr/>
+        <p:txBody>
+          <a:bodyPr/>
+          <a:lstStyle/>
+          <a:p>
+            <a:r>
+              <a:rPr lang="fr-FR" smtClean="0"/>
+              <a:t>Projet Industriel IG5</a:t>
+            </a:r>
+            <a:endParaRPr lang="fr-FR"/>
+          </a:p>
+        </p:txBody>
+      </p:sp>
+      <p:sp>
+        <p:nvSpPr>
+          <p:cNvPr id="11" name="Slide Number Placeholder 10"/>
+          <p:cNvSpPr>
+            <a:spLocks noGrp="1"/>
+          </p:cNvSpPr>
+          <p:nvPr>
+            <p:ph type="sldNum" sz="quarter" idx="12"/>
+          </p:nvPr>
+        </p:nvSpPr>
+        <p:spPr/>
+        <p:txBody>
+          <a:bodyPr/>
+          <a:lstStyle/>
+          <a:p>
+            <a:fld id="{405959CA-B0B4-4888-832B-6435D8AC3FC2}" type="slidenum">
+              <a:rPr lang="fr-FR" smtClean="0"/>
+              <a:t>25</a:t>
+            </a:fld>
+            <a:endParaRPr lang="fr-FR"/>
+          </a:p>
+        </p:txBody>
+      </p:sp>
+    </p:spTree>
+    <p:extLst>
+      <p:ext uri="{BB962C8B-B14F-4D97-AF65-F5344CB8AC3E}">
+        <p14:creationId xmlns:p14="http://schemas.microsoft.com/office/powerpoint/2010/main" val="381314510"/>
+      </p:ext>
+    </p:extLst>
+  </p:cSld>
+  <p:clrMapOvr>
+    <a:masterClrMapping/>
+  </p:clrMapOvr>
+  <p:timing>
+    <p:tnLst>
+      <p:par>
+        <p:cTn id="1" dur="indefinite" restart="never" nodeType="tmRoot"/>
+      </p:par>
+    </p:tnLst>
+  </p:timing>
+</p:sld>
+</file>
+
+<file path=ppt/slides/slide26.xml><?xml version="1.0" encoding="utf-8"?>
+<p:sld xmlns:a="http://schemas.openxmlformats.org/drawingml/2006/main" xmlns:r="http://schemas.openxmlformats.org/officeDocument/2006/relationships" xmlns:p="http://schemas.openxmlformats.org/presentationml/2006/main">
+  <p:cSld>
+    <p:spTree>
+      <p:nvGrpSpPr>
+        <p:cNvPr id="1" name=""/>
+        <p:cNvGrpSpPr/>
+        <p:nvPr/>
+      </p:nvGrpSpPr>
+      <p:grpSpPr>
+        <a:xfrm>
+          <a:off x="0" y="0"/>
+          <a:ext cx="0" cy="0"/>
+          <a:chOff x="0" y="0"/>
+          <a:chExt cx="0" cy="0"/>
+        </a:xfrm>
+      </p:grpSpPr>
+      <p:sp>
+        <p:nvSpPr>
           <p:cNvPr id="6" name="Title 5"/>
           <p:cNvSpPr>
             <a:spLocks noGrp="1"/>
@@ -29757,7 +30028,7 @@
           <a:p>
             <a:fld id="{405959CA-B0B4-4888-832B-6435D8AC3FC2}" type="slidenum">
               <a:rPr lang="fr-FR" smtClean="0"/>
-              <a:t>25</a:t>
+              <a:t>26</a:t>
             </a:fld>
             <a:endParaRPr lang="fr-FR"/>
           </a:p>
@@ -29783,7 +30054,7 @@
 </p:sld>
 </file>
 
-<file path=ppt/slides/slide26.xml><?xml version="1.0" encoding="utf-8"?>
+<file path=ppt/slides/slide27.xml><?xml version="1.0" encoding="utf-8"?>
 <p:sld xmlns:a="http://schemas.openxmlformats.org/drawingml/2006/main" xmlns:r="http://schemas.openxmlformats.org/officeDocument/2006/relationships" xmlns:p="http://schemas.openxmlformats.org/presentationml/2006/main">
   <p:cSld>
     <p:spTree>
@@ -29870,7 +30141,7 @@
           <a:p>
             <a:fld id="{405959CA-B0B4-4888-832B-6435D8AC3FC2}" type="slidenum">
               <a:rPr lang="fr-FR" smtClean="0"/>
-              <a:t>26</a:t>
+              <a:t>27</a:t>
             </a:fld>
             <a:endParaRPr lang="fr-FR"/>
           </a:p>
@@ -31080,13 +31351,8 @@
           <a:p>
             <a:r>
               <a:rPr lang="fr-FR" dirty="0" smtClean="0"/>
-              <a:t>Manque de fiabilité du réseau </a:t>
+              <a:t>Manque de fiabilité du réseau GPRS</a:t>
             </a:r>
-            <a:r>
-              <a:rPr lang="fr-FR" dirty="0" smtClean="0"/>
-              <a:t>GPRS</a:t>
-            </a:r>
-            <a:endParaRPr lang="fr-FR" dirty="0" smtClean="0"/>
           </a:p>
         </p:txBody>
       </p:sp>
@@ -31825,11 +32091,7 @@
           <a:p>
             <a:r>
               <a:rPr lang="fr-FR" dirty="0" smtClean="0"/>
-              <a:t>Utilisation du réseau </a:t>
-            </a:r>
-            <a:r>
-              <a:rPr lang="fr-FR" dirty="0" smtClean="0"/>
-              <a:t>GSM</a:t>
+              <a:t>Utilisation du réseau GSM</a:t>
             </a:r>
           </a:p>
           <a:p>
@@ -31855,7 +32117,7 @@
           <a:p>
             <a:r>
               <a:rPr lang="fr-FR" dirty="0" smtClean="0"/>
-              <a:t>Sauvegarde dans une base de données</a:t>
+              <a:t>Suivi des messages dans une base de données</a:t>
             </a:r>
           </a:p>
           <a:p>
